--- a/S320067030 胡双阳 SR-GNN.pptx
+++ b/S320067030 胡双阳 SR-GNN.pptx
@@ -5,7 +5,7 @@
     <p:sldMasterId id="2147483648" r:id="rId1"/>
   </p:sldMasterIdLst>
   <p:notesMasterIdLst>
-    <p:notesMasterId r:id="rId13"/>
+    <p:notesMasterId r:id="rId14"/>
   </p:notesMasterIdLst>
   <p:sldIdLst>
     <p:sldId id="262" r:id="rId2"/>
@@ -18,7 +18,8 @@
     <p:sldId id="330" r:id="rId9"/>
     <p:sldId id="336" r:id="rId10"/>
     <p:sldId id="338" r:id="rId11"/>
-    <p:sldId id="333" r:id="rId12"/>
+    <p:sldId id="337" r:id="rId12"/>
+    <p:sldId id="333" r:id="rId13"/>
   </p:sldIdLst>
   <p:sldSz cx="12192000" cy="6858000"/>
   <p:notesSz cx="6858000" cy="9144000"/>
@@ -230,7 +231,7 @@
           <a:p>
             <a:fld id="{54F964DF-046E-4B45-9DD6-7D2C443CD443}" type="datetimeFigureOut">
               <a:rPr lang="zh-CN" altLang="en-US" smtClean="0"/>
-              <a:t>2020/12/6</a:t>
+              <a:t>2020/10/28</a:t>
             </a:fld>
             <a:endParaRPr lang="zh-CN" altLang="en-US"/>
           </a:p>
@@ -860,7 +861,7 @@
           <a:p>
             <a:fld id="{94C37828-C5C4-4D5D-95E9-ED654ABB11A1}" type="slidenum">
               <a:rPr lang="zh-CN" altLang="en-US" smtClean="0"/>
-              <a:t>11</a:t>
+              <a:t>12</a:t>
             </a:fld>
             <a:endParaRPr lang="zh-CN" altLang="en-US"/>
           </a:p>
@@ -1026,7 +1027,7 @@
           <a:p>
             <a:fld id="{545F0509-3A02-415A-AF1D-E01510DEDF7B}" type="datetimeFigureOut">
               <a:rPr lang="zh-CN" altLang="en-US" smtClean="0"/>
-              <a:t>2020/12/6</a:t>
+              <a:t>2020/10/28</a:t>
             </a:fld>
             <a:endParaRPr lang="zh-CN" altLang="en-US"/>
           </a:p>
@@ -1224,7 +1225,7 @@
           <a:p>
             <a:fld id="{545F0509-3A02-415A-AF1D-E01510DEDF7B}" type="datetimeFigureOut">
               <a:rPr lang="zh-CN" altLang="en-US" smtClean="0"/>
-              <a:t>2020/12/6</a:t>
+              <a:t>2020/10/28</a:t>
             </a:fld>
             <a:endParaRPr lang="zh-CN" altLang="en-US"/>
           </a:p>
@@ -1432,7 +1433,7 @@
           <a:p>
             <a:fld id="{545F0509-3A02-415A-AF1D-E01510DEDF7B}" type="datetimeFigureOut">
               <a:rPr lang="zh-CN" altLang="en-US" smtClean="0"/>
-              <a:t>2020/12/6</a:t>
+              <a:t>2020/10/28</a:t>
             </a:fld>
             <a:endParaRPr lang="zh-CN" altLang="en-US"/>
           </a:p>
@@ -3039,7 +3040,7 @@
           <a:p>
             <a:fld id="{545F0509-3A02-415A-AF1D-E01510DEDF7B}" type="datetimeFigureOut">
               <a:rPr lang="zh-CN" altLang="en-US" smtClean="0"/>
-              <a:t>2020/12/6</a:t>
+              <a:t>2020/10/28</a:t>
             </a:fld>
             <a:endParaRPr lang="zh-CN" altLang="en-US"/>
           </a:p>
@@ -3304,7 +3305,7 @@
           <a:p>
             <a:fld id="{545F0509-3A02-415A-AF1D-E01510DEDF7B}" type="datetimeFigureOut">
               <a:rPr lang="zh-CN" altLang="en-US" smtClean="0"/>
-              <a:t>2020/12/6</a:t>
+              <a:t>2020/10/28</a:t>
             </a:fld>
             <a:endParaRPr lang="zh-CN" altLang="en-US"/>
           </a:p>
@@ -3716,7 +3717,7 @@
           <a:p>
             <a:fld id="{545F0509-3A02-415A-AF1D-E01510DEDF7B}" type="datetimeFigureOut">
               <a:rPr lang="zh-CN" altLang="en-US" smtClean="0"/>
-              <a:t>2020/12/6</a:t>
+              <a:t>2020/10/28</a:t>
             </a:fld>
             <a:endParaRPr lang="zh-CN" altLang="en-US"/>
           </a:p>
@@ -3987,7 +3988,7 @@
           <a:p>
             <a:fld id="{545F0509-3A02-415A-AF1D-E01510DEDF7B}" type="datetimeFigureOut">
               <a:rPr lang="zh-CN" altLang="en-US" smtClean="0"/>
-              <a:t>2020/12/6</a:t>
+              <a:t>2020/10/28</a:t>
             </a:fld>
             <a:endParaRPr lang="zh-CN" altLang="en-US"/>
           </a:p>
@@ -5636,6 +5637,1531 @@
           <a:chExt cx="0" cy="0"/>
         </a:xfrm>
       </p:grpSpPr>
+      <p:sp>
+        <p:nvSpPr>
+          <p:cNvPr id="13" name="矩形 12">
+            <a:extLst>
+              <a:ext uri="{FF2B5EF4-FFF2-40B4-BE49-F238E27FC236}">
+                <a16:creationId xmlns:a16="http://schemas.microsoft.com/office/drawing/2014/main" id="{B9E8BC4C-FA54-439A-A030-5FD226B5F214}"/>
+              </a:ext>
+            </a:extLst>
+          </p:cNvPr>
+          <p:cNvSpPr/>
+          <p:nvPr/>
+        </p:nvSpPr>
+        <p:spPr>
+          <a:xfrm>
+            <a:off x="0" y="0"/>
+            <a:ext cx="12192000" cy="842211"/>
+          </a:xfrm>
+          <a:prstGeom prst="rect">
+            <a:avLst/>
+          </a:prstGeom>
+          <a:solidFill>
+            <a:schemeClr val="accent1">
+              <a:lumMod val="75000"/>
+            </a:schemeClr>
+          </a:solidFill>
+          <a:ln>
+            <a:noFill/>
+          </a:ln>
+        </p:spPr>
+        <p:style>
+          <a:lnRef idx="2">
+            <a:schemeClr val="accent1">
+              <a:shade val="50000"/>
+            </a:schemeClr>
+          </a:lnRef>
+          <a:fillRef idx="1">
+            <a:schemeClr val="accent1"/>
+          </a:fillRef>
+          <a:effectRef idx="0">
+            <a:schemeClr val="accent1"/>
+          </a:effectRef>
+          <a:fontRef idx="minor">
+            <a:schemeClr val="lt1"/>
+          </a:fontRef>
+        </p:style>
+        <p:txBody>
+          <a:bodyPr rtlCol="0" anchor="ctr"/>
+          <a:lstStyle/>
+          <a:p>
+            <a:pPr algn="ctr"/>
+            <a:endParaRPr lang="zh-CN" altLang="en-US"/>
+          </a:p>
+        </p:txBody>
+      </p:sp>
+      <p:pic>
+        <p:nvPicPr>
+          <p:cNvPr id="18" name="图片 17"/>
+          <p:cNvPicPr>
+            <a:picLocks noChangeAspect="1"/>
+          </p:cNvPicPr>
+          <p:nvPr/>
+        </p:nvPicPr>
+        <p:blipFill>
+          <a:blip r:embed="rId2" cstate="hqprint">
+            <a:extLst>
+              <a:ext uri="{28A0092B-C50C-407E-A947-70E740481C1C}">
+                <a14:useLocalDpi xmlns:a14="http://schemas.microsoft.com/office/drawing/2010/main" val="0"/>
+              </a:ext>
+            </a:extLst>
+          </a:blip>
+          <a:stretch>
+            <a:fillRect/>
+          </a:stretch>
+        </p:blipFill>
+        <p:spPr>
+          <a:xfrm>
+            <a:off x="84421" y="-26410"/>
+            <a:ext cx="881401" cy="881401"/>
+          </a:xfrm>
+          <a:prstGeom prst="rect">
+            <a:avLst/>
+          </a:prstGeom>
+        </p:spPr>
+      </p:pic>
+      <p:sp>
+        <p:nvSpPr>
+          <p:cNvPr id="20" name="圆角矩形 19"/>
+          <p:cNvSpPr/>
+          <p:nvPr/>
+        </p:nvSpPr>
+        <p:spPr>
+          <a:xfrm>
+            <a:off x="4223792" y="1244004"/>
+            <a:ext cx="2844316" cy="343042"/>
+          </a:xfrm>
+          <a:prstGeom prst="roundRect">
+            <a:avLst/>
+          </a:prstGeom>
+        </p:spPr>
+        <p:style>
+          <a:lnRef idx="2">
+            <a:schemeClr val="accent1">
+              <a:shade val="50000"/>
+            </a:schemeClr>
+          </a:lnRef>
+          <a:fillRef idx="1">
+            <a:schemeClr val="accent1"/>
+          </a:fillRef>
+          <a:effectRef idx="0">
+            <a:schemeClr val="accent1"/>
+          </a:effectRef>
+          <a:fontRef idx="minor">
+            <a:schemeClr val="lt1"/>
+          </a:fontRef>
+        </p:style>
+        <p:txBody>
+          <a:bodyPr rtlCol="0" anchor="ctr"/>
+          <a:lstStyle/>
+          <a:p>
+            <a:pPr algn="ctr"/>
+            <a:r>
+              <a:rPr lang="zh-CN" altLang="en-US" sz="1600" b="1" dirty="0" smtClean="0">
+                <a:latin typeface="仿宋" panose="02010609060101010101" pitchFamily="49" charset="-122"/>
+                <a:ea typeface="仿宋" panose="02010609060101010101" pitchFamily="49" charset="-122"/>
+              </a:rPr>
+              <a:t>对比不同的会话嵌入方式</a:t>
+            </a:r>
+            <a:endParaRPr lang="zh-CN" altLang="en-US" sz="1600" b="1" dirty="0">
+              <a:latin typeface="仿宋" panose="02010609060101010101" pitchFamily="49" charset="-122"/>
+              <a:ea typeface="仿宋" panose="02010609060101010101" pitchFamily="49" charset="-122"/>
+            </a:endParaRPr>
+          </a:p>
+        </p:txBody>
+      </p:sp>
+      <p:sp>
+        <p:nvSpPr>
+          <p:cNvPr id="3" name="矩形 2"/>
+          <p:cNvSpPr/>
+          <p:nvPr/>
+        </p:nvSpPr>
+        <p:spPr>
+          <a:xfrm>
+            <a:off x="1055948" y="2173696"/>
+            <a:ext cx="4920208" cy="923330"/>
+          </a:xfrm>
+          <a:prstGeom prst="rect">
+            <a:avLst/>
+          </a:prstGeom>
+        </p:spPr>
+        <p:txBody>
+          <a:bodyPr wrap="square">
+            <a:spAutoFit/>
+          </a:bodyPr>
+          <a:lstStyle/>
+          <a:p>
+            <a:pPr indent="304800" algn="just">
+              <a:spcAft>
+                <a:spcPts val="0"/>
+              </a:spcAft>
+            </a:pPr>
+            <a:r>
+              <a:rPr lang="en-US" altLang="zh-CN" kern="100" dirty="0" smtClean="0">
+                <a:latin typeface="Adobe Gothic Std B" panose="020B0800000000000000" pitchFamily="34" charset="-128"/>
+                <a:ea typeface="Adobe Gothic Std B" panose="020B0800000000000000" pitchFamily="34" charset="-128"/>
+                <a:cs typeface="Times New Roman" panose="02020603050405020304" pitchFamily="18" charset="0"/>
+              </a:rPr>
+              <a:t>·</a:t>
+            </a:r>
+            <a:r>
+              <a:rPr lang="zh-CN" altLang="zh-CN" kern="100" dirty="0" smtClean="0">
+                <a:latin typeface="等线" panose="02010600030101010101" pitchFamily="2" charset="-122"/>
+                <a:ea typeface="等线" panose="02010600030101010101" pitchFamily="2" charset="-122"/>
+                <a:cs typeface="Times New Roman" panose="02020603050405020304" pitchFamily="18" charset="0"/>
+              </a:rPr>
+              <a:t>局部</a:t>
+            </a:r>
+            <a:r>
+              <a:rPr lang="zh-CN" altLang="zh-CN" kern="100" dirty="0">
+                <a:latin typeface="等线" panose="02010600030101010101" pitchFamily="2" charset="-122"/>
+                <a:ea typeface="等线" panose="02010600030101010101" pitchFamily="2" charset="-122"/>
+                <a:cs typeface="Times New Roman" panose="02020603050405020304" pitchFamily="18" charset="0"/>
+              </a:rPr>
+              <a:t>嵌入（</a:t>
+            </a:r>
+            <a:r>
+              <a:rPr lang="en-US" altLang="zh-CN" kern="100" dirty="0">
+                <a:latin typeface="等线" panose="02010600030101010101" pitchFamily="2" charset="-122"/>
+                <a:ea typeface="等线" panose="02010600030101010101" pitchFamily="2" charset="-122"/>
+                <a:cs typeface="Times New Roman" panose="02020603050405020304" pitchFamily="18" charset="0"/>
+              </a:rPr>
+              <a:t>SR-GNN-L</a:t>
+            </a:r>
+            <a:r>
+              <a:rPr lang="zh-CN" altLang="zh-CN" kern="100" dirty="0" smtClean="0">
+                <a:latin typeface="等线" panose="02010600030101010101" pitchFamily="2" charset="-122"/>
+                <a:ea typeface="等线" panose="02010600030101010101" pitchFamily="2" charset="-122"/>
+                <a:cs typeface="Times New Roman" panose="02020603050405020304" pitchFamily="18" charset="0"/>
+              </a:rPr>
+              <a:t>）</a:t>
+            </a:r>
+            <a:endParaRPr lang="zh-CN" altLang="zh-CN" sz="1400" kern="100" dirty="0">
+              <a:latin typeface="等线" panose="02010600030101010101" pitchFamily="2" charset="-122"/>
+              <a:ea typeface="等线" panose="02010600030101010101" pitchFamily="2" charset="-122"/>
+              <a:cs typeface="Times New Roman" panose="02020603050405020304" pitchFamily="18" charset="0"/>
+            </a:endParaRPr>
+          </a:p>
+          <a:p>
+            <a:pPr indent="304800" algn="just">
+              <a:spcAft>
+                <a:spcPts val="0"/>
+              </a:spcAft>
+            </a:pPr>
+            <a:r>
+              <a:rPr lang="en-US" altLang="zh-CN" kern="100" dirty="0">
+                <a:latin typeface="Adobe Gothic Std B" panose="020B0800000000000000" pitchFamily="34" charset="-128"/>
+                <a:ea typeface="Adobe Gothic Std B" panose="020B0800000000000000" pitchFamily="34" charset="-128"/>
+                <a:cs typeface="Times New Roman" panose="02020603050405020304" pitchFamily="18" charset="0"/>
+              </a:rPr>
+              <a:t>·</a:t>
+            </a:r>
+            <a:r>
+              <a:rPr lang="zh-CN" altLang="zh-CN" kern="100" dirty="0" smtClean="0">
+                <a:latin typeface="等线" panose="02010600030101010101" pitchFamily="2" charset="-122"/>
+                <a:ea typeface="等线" panose="02010600030101010101" pitchFamily="2" charset="-122"/>
+                <a:cs typeface="Times New Roman" panose="02020603050405020304" pitchFamily="18" charset="0"/>
+              </a:rPr>
+              <a:t>平均</a:t>
+            </a:r>
+            <a:r>
+              <a:rPr lang="zh-CN" altLang="zh-CN" kern="100" dirty="0">
+                <a:latin typeface="等线" panose="02010600030101010101" pitchFamily="2" charset="-122"/>
+                <a:ea typeface="等线" panose="02010600030101010101" pitchFamily="2" charset="-122"/>
+                <a:cs typeface="Times New Roman" panose="02020603050405020304" pitchFamily="18" charset="0"/>
+              </a:rPr>
+              <a:t>池化的全局嵌入（</a:t>
+            </a:r>
+            <a:r>
+              <a:rPr lang="en-US" altLang="zh-CN" kern="100" dirty="0">
+                <a:latin typeface="等线" panose="02010600030101010101" pitchFamily="2" charset="-122"/>
+                <a:ea typeface="等线" panose="02010600030101010101" pitchFamily="2" charset="-122"/>
+                <a:cs typeface="Times New Roman" panose="02020603050405020304" pitchFamily="18" charset="0"/>
+              </a:rPr>
+              <a:t>SR-GNN-AVG</a:t>
+            </a:r>
+            <a:r>
+              <a:rPr lang="zh-CN" altLang="zh-CN" kern="100" dirty="0">
+                <a:latin typeface="等线" panose="02010600030101010101" pitchFamily="2" charset="-122"/>
+                <a:ea typeface="等线" panose="02010600030101010101" pitchFamily="2" charset="-122"/>
+                <a:cs typeface="Times New Roman" panose="02020603050405020304" pitchFamily="18" charset="0"/>
+              </a:rPr>
+              <a:t>）</a:t>
+            </a:r>
+            <a:endParaRPr lang="zh-CN" altLang="zh-CN" sz="1400" kern="100" dirty="0">
+              <a:latin typeface="等线" panose="02010600030101010101" pitchFamily="2" charset="-122"/>
+              <a:ea typeface="等线" panose="02010600030101010101" pitchFamily="2" charset="-122"/>
+              <a:cs typeface="Times New Roman" panose="02020603050405020304" pitchFamily="18" charset="0"/>
+            </a:endParaRPr>
+          </a:p>
+          <a:p>
+            <a:pPr indent="304800" algn="just">
+              <a:spcAft>
+                <a:spcPts val="0"/>
+              </a:spcAft>
+            </a:pPr>
+            <a:r>
+              <a:rPr lang="en-US" altLang="zh-CN" kern="100" dirty="0">
+                <a:latin typeface="Adobe Gothic Std B" panose="020B0800000000000000" pitchFamily="34" charset="-128"/>
+                <a:ea typeface="Adobe Gothic Std B" panose="020B0800000000000000" pitchFamily="34" charset="-128"/>
+                <a:cs typeface="Times New Roman" panose="02020603050405020304" pitchFamily="18" charset="0"/>
+              </a:rPr>
+              <a:t>·</a:t>
+            </a:r>
+            <a:r>
+              <a:rPr lang="zh-CN" altLang="zh-CN" kern="100" dirty="0" smtClean="0">
+                <a:latin typeface="等线" panose="02010600030101010101" pitchFamily="2" charset="-122"/>
+                <a:ea typeface="等线" panose="02010600030101010101" pitchFamily="2" charset="-122"/>
+                <a:cs typeface="Times New Roman" panose="02020603050405020304" pitchFamily="18" charset="0"/>
+              </a:rPr>
+              <a:t>注意力</a:t>
+            </a:r>
+            <a:r>
+              <a:rPr lang="zh-CN" altLang="zh-CN" kern="100" dirty="0">
+                <a:latin typeface="等线" panose="02010600030101010101" pitchFamily="2" charset="-122"/>
+                <a:ea typeface="等线" panose="02010600030101010101" pitchFamily="2" charset="-122"/>
+                <a:cs typeface="Times New Roman" panose="02020603050405020304" pitchFamily="18" charset="0"/>
+              </a:rPr>
+              <a:t>机制的全局嵌入</a:t>
+            </a:r>
+            <a:r>
+              <a:rPr lang="en-US" altLang="zh-CN" kern="100" dirty="0">
+                <a:latin typeface="等线" panose="02010600030101010101" pitchFamily="2" charset="-122"/>
+                <a:ea typeface="等线" panose="02010600030101010101" pitchFamily="2" charset="-122"/>
+                <a:cs typeface="Times New Roman" panose="02020603050405020304" pitchFamily="18" charset="0"/>
+              </a:rPr>
+              <a:t>(SR-GNN-ATT)</a:t>
+            </a:r>
+            <a:endParaRPr lang="zh-CN" altLang="zh-CN" sz="1400" kern="100" dirty="0">
+              <a:effectLst/>
+              <a:latin typeface="等线" panose="02010600030101010101" pitchFamily="2" charset="-122"/>
+              <a:ea typeface="等线" panose="02010600030101010101" pitchFamily="2" charset="-122"/>
+              <a:cs typeface="Times New Roman" panose="02020603050405020304" pitchFamily="18" charset="0"/>
+            </a:endParaRPr>
+          </a:p>
+        </p:txBody>
+      </p:sp>
+      <p:sp>
+        <p:nvSpPr>
+          <p:cNvPr id="21" name="矩形 20"/>
+          <p:cNvSpPr/>
+          <p:nvPr/>
+        </p:nvSpPr>
+        <p:spPr>
+          <a:xfrm>
+            <a:off x="2367692" y="5414171"/>
+            <a:ext cx="1568204" cy="253916"/>
+          </a:xfrm>
+          <a:prstGeom prst="rect">
+            <a:avLst/>
+          </a:prstGeom>
+        </p:spPr>
+        <p:txBody>
+          <a:bodyPr wrap="square">
+            <a:spAutoFit/>
+          </a:bodyPr>
+          <a:lstStyle/>
+          <a:p>
+            <a:pPr marL="1270" indent="304800" algn="just"/>
+            <a:r>
+              <a:rPr lang="zh-CN" altLang="en-US" sz="1050" dirty="0" smtClean="0">
+                <a:latin typeface="黑体" panose="02010609060101010101" pitchFamily="49" charset="-122"/>
+                <a:ea typeface="黑体" panose="02010609060101010101" pitchFamily="49" charset="-122"/>
+              </a:rPr>
+              <a:t>图：实验结果</a:t>
+            </a:r>
+            <a:endParaRPr lang="en-US" altLang="zh-CN" sz="1050" kern="100" dirty="0">
+              <a:latin typeface="黑体" panose="02010609060101010101" pitchFamily="49" charset="-122"/>
+              <a:ea typeface="黑体" panose="02010609060101010101" pitchFamily="49" charset="-122"/>
+              <a:cs typeface="Times New Roman" panose="02020603050405020304" pitchFamily="18" charset="0"/>
+            </a:endParaRPr>
+          </a:p>
+        </p:txBody>
+      </p:sp>
+      <p:grpSp>
+        <p:nvGrpSpPr>
+          <p:cNvPr id="22" name="组合 21">
+            <a:extLst>
+              <a:ext uri="{FF2B5EF4-FFF2-40B4-BE49-F238E27FC236}">
+                <a16:creationId xmlns:a16="http://schemas.microsoft.com/office/drawing/2014/main" id="{C0B6221F-2CB1-41DB-ABC9-45D9D28B2A17}"/>
+              </a:ext>
+            </a:extLst>
+          </p:cNvPr>
+          <p:cNvGrpSpPr/>
+          <p:nvPr/>
+        </p:nvGrpSpPr>
+        <p:grpSpPr>
+          <a:xfrm>
+            <a:off x="6781401" y="2041269"/>
+            <a:ext cx="4248472" cy="2016224"/>
+            <a:chOff x="1964504" y="1290880"/>
+            <a:chExt cx="8262992" cy="4276240"/>
+          </a:xfrm>
+          <a:solidFill>
+            <a:schemeClr val="accent1">
+              <a:lumMod val="75000"/>
+            </a:schemeClr>
+          </a:solidFill>
+        </p:grpSpPr>
+        <p:sp>
+          <p:nvSpPr>
+            <p:cNvPr id="23" name="半闭框 22">
+              <a:extLst>
+                <a:ext uri="{FF2B5EF4-FFF2-40B4-BE49-F238E27FC236}">
+                  <a16:creationId xmlns:a16="http://schemas.microsoft.com/office/drawing/2014/main" id="{5CF72491-FDFB-492F-9B81-42916AB4ED5B}"/>
+                </a:ext>
+              </a:extLst>
+            </p:cNvPr>
+            <p:cNvSpPr/>
+            <p:nvPr/>
+          </p:nvSpPr>
+          <p:spPr>
+            <a:xfrm>
+              <a:off x="1964504" y="1290880"/>
+              <a:ext cx="430154" cy="430154"/>
+            </a:xfrm>
+            <a:prstGeom prst="halfFrame">
+              <a:avLst>
+                <a:gd name="adj1" fmla="val 10000"/>
+                <a:gd name="adj2" fmla="val 10000"/>
+              </a:avLst>
+            </a:prstGeom>
+            <a:grpFill/>
+            <a:ln>
+              <a:noFill/>
+            </a:ln>
+          </p:spPr>
+          <p:style>
+            <a:lnRef idx="2">
+              <a:schemeClr val="accent1">
+                <a:shade val="50000"/>
+              </a:schemeClr>
+            </a:lnRef>
+            <a:fillRef idx="1">
+              <a:schemeClr val="accent1"/>
+            </a:fillRef>
+            <a:effectRef idx="0">
+              <a:schemeClr val="accent1"/>
+            </a:effectRef>
+            <a:fontRef idx="minor">
+              <a:schemeClr val="lt1"/>
+            </a:fontRef>
+          </p:style>
+          <p:txBody>
+            <a:bodyPr rtlCol="0" anchor="ctr"/>
+            <a:lstStyle/>
+            <a:p>
+              <a:pPr algn="ctr"/>
+              <a:endParaRPr lang="zh-CN" altLang="en-US">
+                <a:solidFill>
+                  <a:schemeClr val="tx1"/>
+                </a:solidFill>
+              </a:endParaRPr>
+            </a:p>
+          </p:txBody>
+        </p:sp>
+        <p:sp>
+          <p:nvSpPr>
+            <p:cNvPr id="26" name="半闭框 25">
+              <a:extLst>
+                <a:ext uri="{FF2B5EF4-FFF2-40B4-BE49-F238E27FC236}">
+                  <a16:creationId xmlns:a16="http://schemas.microsoft.com/office/drawing/2014/main" id="{9A7AE959-F8AD-440F-851D-87103BDE19C6}"/>
+                </a:ext>
+              </a:extLst>
+            </p:cNvPr>
+            <p:cNvSpPr/>
+            <p:nvPr/>
+          </p:nvSpPr>
+          <p:spPr>
+            <a:xfrm flipH="1">
+              <a:off x="9797342" y="1290880"/>
+              <a:ext cx="430154" cy="430154"/>
+            </a:xfrm>
+            <a:prstGeom prst="halfFrame">
+              <a:avLst>
+                <a:gd name="adj1" fmla="val 10000"/>
+                <a:gd name="adj2" fmla="val 10000"/>
+              </a:avLst>
+            </a:prstGeom>
+            <a:grpFill/>
+            <a:ln>
+              <a:noFill/>
+            </a:ln>
+          </p:spPr>
+          <p:style>
+            <a:lnRef idx="2">
+              <a:schemeClr val="accent1">
+                <a:shade val="50000"/>
+              </a:schemeClr>
+            </a:lnRef>
+            <a:fillRef idx="1">
+              <a:schemeClr val="accent1"/>
+            </a:fillRef>
+            <a:effectRef idx="0">
+              <a:schemeClr val="accent1"/>
+            </a:effectRef>
+            <a:fontRef idx="minor">
+              <a:schemeClr val="lt1"/>
+            </a:fontRef>
+          </p:style>
+          <p:txBody>
+            <a:bodyPr rtlCol="0" anchor="ctr"/>
+            <a:lstStyle/>
+            <a:p>
+              <a:pPr algn="ctr"/>
+              <a:endParaRPr lang="zh-CN" altLang="en-US">
+                <a:solidFill>
+                  <a:schemeClr val="tx1"/>
+                </a:solidFill>
+              </a:endParaRPr>
+            </a:p>
+          </p:txBody>
+        </p:sp>
+        <p:sp>
+          <p:nvSpPr>
+            <p:cNvPr id="27" name="半闭框 26">
+              <a:extLst>
+                <a:ext uri="{FF2B5EF4-FFF2-40B4-BE49-F238E27FC236}">
+                  <a16:creationId xmlns:a16="http://schemas.microsoft.com/office/drawing/2014/main" id="{8913A35A-3D4F-46B8-AE25-F31DCF6E4089}"/>
+                </a:ext>
+              </a:extLst>
+            </p:cNvPr>
+            <p:cNvSpPr/>
+            <p:nvPr/>
+          </p:nvSpPr>
+          <p:spPr>
+            <a:xfrm flipV="1">
+              <a:off x="1964504" y="5136966"/>
+              <a:ext cx="430154" cy="430154"/>
+            </a:xfrm>
+            <a:prstGeom prst="halfFrame">
+              <a:avLst>
+                <a:gd name="adj1" fmla="val 10000"/>
+                <a:gd name="adj2" fmla="val 10000"/>
+              </a:avLst>
+            </a:prstGeom>
+            <a:grpFill/>
+            <a:ln>
+              <a:noFill/>
+            </a:ln>
+          </p:spPr>
+          <p:style>
+            <a:lnRef idx="2">
+              <a:schemeClr val="accent1">
+                <a:shade val="50000"/>
+              </a:schemeClr>
+            </a:lnRef>
+            <a:fillRef idx="1">
+              <a:schemeClr val="accent1"/>
+            </a:fillRef>
+            <a:effectRef idx="0">
+              <a:schemeClr val="accent1"/>
+            </a:effectRef>
+            <a:fontRef idx="minor">
+              <a:schemeClr val="lt1"/>
+            </a:fontRef>
+          </p:style>
+          <p:txBody>
+            <a:bodyPr rtlCol="0" anchor="ctr"/>
+            <a:lstStyle/>
+            <a:p>
+              <a:pPr algn="ctr"/>
+              <a:endParaRPr lang="zh-CN" altLang="en-US">
+                <a:solidFill>
+                  <a:schemeClr val="tx1"/>
+                </a:solidFill>
+              </a:endParaRPr>
+            </a:p>
+          </p:txBody>
+        </p:sp>
+        <p:sp>
+          <p:nvSpPr>
+            <p:cNvPr id="28" name="半闭框 27">
+              <a:extLst>
+                <a:ext uri="{FF2B5EF4-FFF2-40B4-BE49-F238E27FC236}">
+                  <a16:creationId xmlns:a16="http://schemas.microsoft.com/office/drawing/2014/main" id="{D0247077-C1E3-4DC0-8FD7-C03266C45A75}"/>
+                </a:ext>
+              </a:extLst>
+            </p:cNvPr>
+            <p:cNvSpPr/>
+            <p:nvPr/>
+          </p:nvSpPr>
+          <p:spPr>
+            <a:xfrm flipH="1" flipV="1">
+              <a:off x="9797342" y="5136966"/>
+              <a:ext cx="430154" cy="430154"/>
+            </a:xfrm>
+            <a:prstGeom prst="halfFrame">
+              <a:avLst>
+                <a:gd name="adj1" fmla="val 10000"/>
+                <a:gd name="adj2" fmla="val 10000"/>
+              </a:avLst>
+            </a:prstGeom>
+            <a:grpFill/>
+            <a:ln>
+              <a:noFill/>
+            </a:ln>
+          </p:spPr>
+          <p:style>
+            <a:lnRef idx="2">
+              <a:schemeClr val="accent1">
+                <a:shade val="50000"/>
+              </a:schemeClr>
+            </a:lnRef>
+            <a:fillRef idx="1">
+              <a:schemeClr val="accent1"/>
+            </a:fillRef>
+            <a:effectRef idx="0">
+              <a:schemeClr val="accent1"/>
+            </a:effectRef>
+            <a:fontRef idx="minor">
+              <a:schemeClr val="lt1"/>
+            </a:fontRef>
+          </p:style>
+          <p:txBody>
+            <a:bodyPr rtlCol="0" anchor="ctr"/>
+            <a:lstStyle/>
+            <a:p>
+              <a:pPr algn="ctr"/>
+              <a:endParaRPr lang="zh-CN" altLang="en-US">
+                <a:solidFill>
+                  <a:schemeClr val="tx1"/>
+                </a:solidFill>
+              </a:endParaRPr>
+            </a:p>
+          </p:txBody>
+        </p:sp>
+      </p:grpSp>
+      <p:grpSp>
+        <p:nvGrpSpPr>
+          <p:cNvPr id="29" name="组合 28">
+            <a:extLst>
+              <a:ext uri="{FF2B5EF4-FFF2-40B4-BE49-F238E27FC236}">
+                <a16:creationId xmlns:a16="http://schemas.microsoft.com/office/drawing/2014/main" id="{C0B6221F-2CB1-41DB-ABC9-45D9D28B2A17}"/>
+              </a:ext>
+            </a:extLst>
+          </p:cNvPr>
+          <p:cNvGrpSpPr/>
+          <p:nvPr/>
+        </p:nvGrpSpPr>
+        <p:grpSpPr>
+          <a:xfrm>
+            <a:off x="6781401" y="4533017"/>
+            <a:ext cx="4248472" cy="2016224"/>
+            <a:chOff x="1964504" y="1290880"/>
+            <a:chExt cx="8262992" cy="4276240"/>
+          </a:xfrm>
+          <a:solidFill>
+            <a:schemeClr val="accent1">
+              <a:lumMod val="75000"/>
+            </a:schemeClr>
+          </a:solidFill>
+        </p:grpSpPr>
+        <p:sp>
+          <p:nvSpPr>
+            <p:cNvPr id="31" name="半闭框 30">
+              <a:extLst>
+                <a:ext uri="{FF2B5EF4-FFF2-40B4-BE49-F238E27FC236}">
+                  <a16:creationId xmlns:a16="http://schemas.microsoft.com/office/drawing/2014/main" id="{5CF72491-FDFB-492F-9B81-42916AB4ED5B}"/>
+                </a:ext>
+              </a:extLst>
+            </p:cNvPr>
+            <p:cNvSpPr/>
+            <p:nvPr/>
+          </p:nvSpPr>
+          <p:spPr>
+            <a:xfrm>
+              <a:off x="1964504" y="1290880"/>
+              <a:ext cx="430154" cy="430154"/>
+            </a:xfrm>
+            <a:prstGeom prst="halfFrame">
+              <a:avLst>
+                <a:gd name="adj1" fmla="val 10000"/>
+                <a:gd name="adj2" fmla="val 10000"/>
+              </a:avLst>
+            </a:prstGeom>
+            <a:grpFill/>
+            <a:ln>
+              <a:noFill/>
+            </a:ln>
+          </p:spPr>
+          <p:style>
+            <a:lnRef idx="2">
+              <a:schemeClr val="accent1">
+                <a:shade val="50000"/>
+              </a:schemeClr>
+            </a:lnRef>
+            <a:fillRef idx="1">
+              <a:schemeClr val="accent1"/>
+            </a:fillRef>
+            <a:effectRef idx="0">
+              <a:schemeClr val="accent1"/>
+            </a:effectRef>
+            <a:fontRef idx="minor">
+              <a:schemeClr val="lt1"/>
+            </a:fontRef>
+          </p:style>
+          <p:txBody>
+            <a:bodyPr rtlCol="0" anchor="ctr"/>
+            <a:lstStyle/>
+            <a:p>
+              <a:pPr algn="ctr"/>
+              <a:endParaRPr lang="zh-CN" altLang="en-US">
+                <a:solidFill>
+                  <a:schemeClr val="tx1"/>
+                </a:solidFill>
+              </a:endParaRPr>
+            </a:p>
+          </p:txBody>
+        </p:sp>
+        <p:sp>
+          <p:nvSpPr>
+            <p:cNvPr id="32" name="半闭框 31">
+              <a:extLst>
+                <a:ext uri="{FF2B5EF4-FFF2-40B4-BE49-F238E27FC236}">
+                  <a16:creationId xmlns:a16="http://schemas.microsoft.com/office/drawing/2014/main" id="{9A7AE959-F8AD-440F-851D-87103BDE19C6}"/>
+                </a:ext>
+              </a:extLst>
+            </p:cNvPr>
+            <p:cNvSpPr/>
+            <p:nvPr/>
+          </p:nvSpPr>
+          <p:spPr>
+            <a:xfrm flipH="1">
+              <a:off x="9797342" y="1290880"/>
+              <a:ext cx="430154" cy="430154"/>
+            </a:xfrm>
+            <a:prstGeom prst="halfFrame">
+              <a:avLst>
+                <a:gd name="adj1" fmla="val 10000"/>
+                <a:gd name="adj2" fmla="val 10000"/>
+              </a:avLst>
+            </a:prstGeom>
+            <a:grpFill/>
+            <a:ln>
+              <a:noFill/>
+            </a:ln>
+          </p:spPr>
+          <p:style>
+            <a:lnRef idx="2">
+              <a:schemeClr val="accent1">
+                <a:shade val="50000"/>
+              </a:schemeClr>
+            </a:lnRef>
+            <a:fillRef idx="1">
+              <a:schemeClr val="accent1"/>
+            </a:fillRef>
+            <a:effectRef idx="0">
+              <a:schemeClr val="accent1"/>
+            </a:effectRef>
+            <a:fontRef idx="minor">
+              <a:schemeClr val="lt1"/>
+            </a:fontRef>
+          </p:style>
+          <p:txBody>
+            <a:bodyPr rtlCol="0" anchor="ctr"/>
+            <a:lstStyle/>
+            <a:p>
+              <a:pPr algn="ctr"/>
+              <a:endParaRPr lang="zh-CN" altLang="en-US">
+                <a:solidFill>
+                  <a:schemeClr val="tx1"/>
+                </a:solidFill>
+              </a:endParaRPr>
+            </a:p>
+          </p:txBody>
+        </p:sp>
+        <p:sp>
+          <p:nvSpPr>
+            <p:cNvPr id="33" name="半闭框 32">
+              <a:extLst>
+                <a:ext uri="{FF2B5EF4-FFF2-40B4-BE49-F238E27FC236}">
+                  <a16:creationId xmlns:a16="http://schemas.microsoft.com/office/drawing/2014/main" id="{8913A35A-3D4F-46B8-AE25-F31DCF6E4089}"/>
+                </a:ext>
+              </a:extLst>
+            </p:cNvPr>
+            <p:cNvSpPr/>
+            <p:nvPr/>
+          </p:nvSpPr>
+          <p:spPr>
+            <a:xfrm flipV="1">
+              <a:off x="1964504" y="5136966"/>
+              <a:ext cx="430154" cy="430154"/>
+            </a:xfrm>
+            <a:prstGeom prst="halfFrame">
+              <a:avLst>
+                <a:gd name="adj1" fmla="val 10000"/>
+                <a:gd name="adj2" fmla="val 10000"/>
+              </a:avLst>
+            </a:prstGeom>
+            <a:grpFill/>
+            <a:ln>
+              <a:noFill/>
+            </a:ln>
+          </p:spPr>
+          <p:style>
+            <a:lnRef idx="2">
+              <a:schemeClr val="accent1">
+                <a:shade val="50000"/>
+              </a:schemeClr>
+            </a:lnRef>
+            <a:fillRef idx="1">
+              <a:schemeClr val="accent1"/>
+            </a:fillRef>
+            <a:effectRef idx="0">
+              <a:schemeClr val="accent1"/>
+            </a:effectRef>
+            <a:fontRef idx="minor">
+              <a:schemeClr val="lt1"/>
+            </a:fontRef>
+          </p:style>
+          <p:txBody>
+            <a:bodyPr rtlCol="0" anchor="ctr"/>
+            <a:lstStyle/>
+            <a:p>
+              <a:pPr algn="ctr"/>
+              <a:endParaRPr lang="zh-CN" altLang="en-US">
+                <a:solidFill>
+                  <a:schemeClr val="tx1"/>
+                </a:solidFill>
+              </a:endParaRPr>
+            </a:p>
+          </p:txBody>
+        </p:sp>
+        <p:sp>
+          <p:nvSpPr>
+            <p:cNvPr id="34" name="半闭框 33">
+              <a:extLst>
+                <a:ext uri="{FF2B5EF4-FFF2-40B4-BE49-F238E27FC236}">
+                  <a16:creationId xmlns:a16="http://schemas.microsoft.com/office/drawing/2014/main" id="{D0247077-C1E3-4DC0-8FD7-C03266C45A75}"/>
+                </a:ext>
+              </a:extLst>
+            </p:cNvPr>
+            <p:cNvSpPr/>
+            <p:nvPr/>
+          </p:nvSpPr>
+          <p:spPr>
+            <a:xfrm flipH="1" flipV="1">
+              <a:off x="9797342" y="5136966"/>
+              <a:ext cx="430154" cy="430154"/>
+            </a:xfrm>
+            <a:prstGeom prst="halfFrame">
+              <a:avLst>
+                <a:gd name="adj1" fmla="val 10000"/>
+                <a:gd name="adj2" fmla="val 10000"/>
+              </a:avLst>
+            </a:prstGeom>
+            <a:grpFill/>
+            <a:ln>
+              <a:noFill/>
+            </a:ln>
+          </p:spPr>
+          <p:style>
+            <a:lnRef idx="2">
+              <a:schemeClr val="accent1">
+                <a:shade val="50000"/>
+              </a:schemeClr>
+            </a:lnRef>
+            <a:fillRef idx="1">
+              <a:schemeClr val="accent1"/>
+            </a:fillRef>
+            <a:effectRef idx="0">
+              <a:schemeClr val="accent1"/>
+            </a:effectRef>
+            <a:fontRef idx="minor">
+              <a:schemeClr val="lt1"/>
+            </a:fontRef>
+          </p:style>
+          <p:txBody>
+            <a:bodyPr rtlCol="0" anchor="ctr"/>
+            <a:lstStyle/>
+            <a:p>
+              <a:pPr algn="ctr"/>
+              <a:endParaRPr lang="zh-CN" altLang="en-US">
+                <a:solidFill>
+                  <a:schemeClr val="tx1"/>
+                </a:solidFill>
+              </a:endParaRPr>
+            </a:p>
+          </p:txBody>
+        </p:sp>
+      </p:grpSp>
+      <p:sp>
+        <p:nvSpPr>
+          <p:cNvPr id="7" name="矩形 6"/>
+          <p:cNvSpPr/>
+          <p:nvPr/>
+        </p:nvSpPr>
+        <p:spPr>
+          <a:xfrm>
+            <a:off x="7488669" y="2244084"/>
+            <a:ext cx="3113590" cy="1569660"/>
+          </a:xfrm>
+          <a:prstGeom prst="rect">
+            <a:avLst/>
+          </a:prstGeom>
+        </p:spPr>
+        <p:txBody>
+          <a:bodyPr wrap="square">
+            <a:spAutoFit/>
+          </a:bodyPr>
+          <a:lstStyle/>
+          <a:p>
+            <a:pPr indent="304800" algn="ctr">
+              <a:spcAft>
+                <a:spcPts val="0"/>
+              </a:spcAft>
+            </a:pPr>
+            <a:r>
+              <a:rPr lang="zh-CN" altLang="zh-CN" sz="1200" b="1" kern="100" dirty="0">
+                <a:latin typeface="等线" panose="02010600030101010101" pitchFamily="2" charset="-122"/>
+                <a:ea typeface="等线" panose="02010600030101010101" pitchFamily="2" charset="-122"/>
+                <a:cs typeface="Times New Roman" panose="02020603050405020304" pitchFamily="18" charset="0"/>
+              </a:rPr>
+              <a:t>会话序列长度分析</a:t>
+            </a:r>
+          </a:p>
+          <a:p>
+            <a:pPr indent="304800" algn="just">
+              <a:spcAft>
+                <a:spcPts val="0"/>
+              </a:spcAft>
+            </a:pPr>
+            <a:r>
+              <a:rPr lang="zh-CN" altLang="zh-CN" sz="1200" kern="100" dirty="0">
+                <a:latin typeface="等线" panose="02010600030101010101" pitchFamily="2" charset="-122"/>
+                <a:ea typeface="等线" panose="02010600030101010101" pitchFamily="2" charset="-122"/>
+                <a:cs typeface="Times New Roman" panose="02020603050405020304" pitchFamily="18" charset="0"/>
+              </a:rPr>
+              <a:t>短会话序列（</a:t>
+            </a:r>
+            <a:r>
+              <a:rPr lang="en-US" altLang="zh-CN" sz="1200" kern="100" dirty="0">
+                <a:latin typeface="等线" panose="02010600030101010101" pitchFamily="2" charset="-122"/>
+                <a:ea typeface="等线" panose="02010600030101010101" pitchFamily="2" charset="-122"/>
+                <a:cs typeface="Times New Roman" panose="02020603050405020304" pitchFamily="18" charset="0"/>
+              </a:rPr>
+              <a:t>5</a:t>
+            </a:r>
+            <a:r>
+              <a:rPr lang="zh-CN" altLang="zh-CN" sz="1200" kern="100" dirty="0">
+                <a:latin typeface="等线" panose="02010600030101010101" pitchFamily="2" charset="-122"/>
+                <a:ea typeface="等线" panose="02010600030101010101" pitchFamily="2" charset="-122"/>
+                <a:cs typeface="Times New Roman" panose="02020603050405020304" pitchFamily="18" charset="0"/>
+              </a:rPr>
+              <a:t>句及以下），长会话序列（</a:t>
+            </a:r>
+            <a:r>
+              <a:rPr lang="en-US" altLang="zh-CN" sz="1200" kern="100" dirty="0">
+                <a:latin typeface="等线" panose="02010600030101010101" pitchFamily="2" charset="-122"/>
+                <a:ea typeface="等线" panose="02010600030101010101" pitchFamily="2" charset="-122"/>
+                <a:cs typeface="Times New Roman" panose="02020603050405020304" pitchFamily="18" charset="0"/>
+              </a:rPr>
+              <a:t>5</a:t>
+            </a:r>
+            <a:r>
+              <a:rPr lang="zh-CN" altLang="zh-CN" sz="1200" kern="100" dirty="0">
+                <a:latin typeface="等线" panose="02010600030101010101" pitchFamily="2" charset="-122"/>
+                <a:ea typeface="等线" panose="02010600030101010101" pitchFamily="2" charset="-122"/>
+                <a:cs typeface="Times New Roman" panose="02020603050405020304" pitchFamily="18" charset="0"/>
+              </a:rPr>
+              <a:t>句以上），</a:t>
+            </a:r>
+            <a:r>
+              <a:rPr lang="en-US" altLang="zh-CN" sz="1200" kern="100" dirty="0">
+                <a:latin typeface="等线" panose="02010600030101010101" pitchFamily="2" charset="-122"/>
+                <a:ea typeface="等线" panose="02010600030101010101" pitchFamily="2" charset="-122"/>
+                <a:cs typeface="Times New Roman" panose="02020603050405020304" pitchFamily="18" charset="0"/>
+              </a:rPr>
+              <a:t>SR-GNN</a:t>
+            </a:r>
+            <a:r>
+              <a:rPr lang="zh-CN" altLang="zh-CN" sz="1200" kern="100" dirty="0">
+                <a:latin typeface="等线" panose="02010600030101010101" pitchFamily="2" charset="-122"/>
+                <a:ea typeface="等线" panose="02010600030101010101" pitchFamily="2" charset="-122"/>
+                <a:cs typeface="Times New Roman" panose="02020603050405020304" pitchFamily="18" charset="0"/>
+              </a:rPr>
+              <a:t>及其变异算法表现的比较稳定，也表明图神经网络适用于基于会话的推荐系统</a:t>
+            </a:r>
+            <a:r>
+              <a:rPr lang="zh-CN" altLang="zh-CN" sz="1200" kern="100" dirty="0" smtClean="0">
+                <a:latin typeface="等线" panose="02010600030101010101" pitchFamily="2" charset="-122"/>
+                <a:ea typeface="等线" panose="02010600030101010101" pitchFamily="2" charset="-122"/>
+                <a:cs typeface="Times New Roman" panose="02020603050405020304" pitchFamily="18" charset="0"/>
+              </a:rPr>
+              <a:t>。</a:t>
+            </a:r>
+            <a:endParaRPr lang="en-US" altLang="zh-CN" sz="1200" kern="100" dirty="0" smtClean="0">
+              <a:latin typeface="等线" panose="02010600030101010101" pitchFamily="2" charset="-122"/>
+              <a:ea typeface="等线" panose="02010600030101010101" pitchFamily="2" charset="-122"/>
+              <a:cs typeface="Times New Roman" panose="02020603050405020304" pitchFamily="18" charset="0"/>
+            </a:endParaRPr>
+          </a:p>
+          <a:p>
+            <a:pPr indent="304800" algn="just">
+              <a:spcAft>
+                <a:spcPts val="0"/>
+              </a:spcAft>
+            </a:pPr>
+            <a:r>
+              <a:rPr lang="en-US" altLang="zh-CN" sz="1200" kern="100" dirty="0" smtClean="0">
+                <a:latin typeface="等线" panose="02010600030101010101" pitchFamily="2" charset="-122"/>
+                <a:ea typeface="等线" panose="02010600030101010101" pitchFamily="2" charset="-122"/>
+                <a:cs typeface="Times New Roman" panose="02020603050405020304" pitchFamily="18" charset="0"/>
+              </a:rPr>
+              <a:t>NARM</a:t>
+            </a:r>
+            <a:r>
+              <a:rPr lang="zh-CN" altLang="zh-CN" sz="1200" kern="100" dirty="0">
+                <a:latin typeface="等线" panose="02010600030101010101" pitchFamily="2" charset="-122"/>
+                <a:ea typeface="等线" panose="02010600030101010101" pitchFamily="2" charset="-122"/>
+                <a:cs typeface="Times New Roman" panose="02020603050405020304" pitchFamily="18" charset="0"/>
+              </a:rPr>
+              <a:t>和</a:t>
+            </a:r>
+            <a:r>
+              <a:rPr lang="en-US" altLang="zh-CN" sz="1200" kern="100" dirty="0">
+                <a:latin typeface="等线" panose="02010600030101010101" pitchFamily="2" charset="-122"/>
+                <a:ea typeface="等线" panose="02010600030101010101" pitchFamily="2" charset="-122"/>
+                <a:cs typeface="Times New Roman" panose="02020603050405020304" pitchFamily="18" charset="0"/>
+              </a:rPr>
+              <a:t>STAMP</a:t>
+            </a:r>
+            <a:r>
+              <a:rPr lang="zh-CN" altLang="zh-CN" sz="1200" kern="100" dirty="0">
+                <a:latin typeface="等线" panose="02010600030101010101" pitchFamily="2" charset="-122"/>
+                <a:ea typeface="等线" panose="02010600030101010101" pitchFamily="2" charset="-122"/>
+                <a:cs typeface="Times New Roman" panose="02020603050405020304" pitchFamily="18" charset="0"/>
+              </a:rPr>
+              <a:t>在长短对话中表现变化很大，不够稳定。</a:t>
+            </a:r>
+            <a:r>
+              <a:rPr lang="en-US" altLang="zh-CN" sz="1200" kern="100" dirty="0">
+                <a:latin typeface="等线" panose="02010600030101010101" pitchFamily="2" charset="-122"/>
+                <a:ea typeface="等线" panose="02010600030101010101" pitchFamily="2" charset="-122"/>
+                <a:cs typeface="Times New Roman" panose="02020603050405020304" pitchFamily="18" charset="0"/>
+              </a:rPr>
+              <a:t>SR-GNN-L</a:t>
+            </a:r>
+            <a:r>
+              <a:rPr lang="zh-CN" altLang="zh-CN" sz="1200" kern="100" dirty="0">
+                <a:latin typeface="等线" panose="02010600030101010101" pitchFamily="2" charset="-122"/>
+                <a:ea typeface="等线" panose="02010600030101010101" pitchFamily="2" charset="-122"/>
+                <a:cs typeface="Times New Roman" panose="02020603050405020304" pitchFamily="18" charset="0"/>
+              </a:rPr>
+              <a:t>和</a:t>
+            </a:r>
+            <a:r>
+              <a:rPr lang="en-US" altLang="zh-CN" sz="1200" kern="100" dirty="0">
+                <a:latin typeface="等线" panose="02010600030101010101" pitchFamily="2" charset="-122"/>
+                <a:ea typeface="等线" panose="02010600030101010101" pitchFamily="2" charset="-122"/>
+                <a:cs typeface="Times New Roman" panose="02020603050405020304" pitchFamily="18" charset="0"/>
+              </a:rPr>
+              <a:t>SR-GNN-ATT</a:t>
+            </a:r>
+            <a:r>
+              <a:rPr lang="zh-CN" altLang="zh-CN" sz="1200" kern="100" dirty="0">
+                <a:latin typeface="等线" panose="02010600030101010101" pitchFamily="2" charset="-122"/>
+                <a:ea typeface="等线" panose="02010600030101010101" pitchFamily="2" charset="-122"/>
+                <a:cs typeface="Times New Roman" panose="02020603050405020304" pitchFamily="18" charset="0"/>
+              </a:rPr>
+              <a:t>表现也很稳定，而且接近最佳性能。</a:t>
+            </a:r>
+            <a:endParaRPr lang="zh-CN" altLang="zh-CN" sz="1200" kern="100" dirty="0">
+              <a:effectLst/>
+              <a:latin typeface="等线" panose="02010600030101010101" pitchFamily="2" charset="-122"/>
+              <a:ea typeface="等线" panose="02010600030101010101" pitchFamily="2" charset="-122"/>
+              <a:cs typeface="Times New Roman" panose="02020603050405020304" pitchFamily="18" charset="0"/>
+            </a:endParaRPr>
+          </a:p>
+        </p:txBody>
+      </p:sp>
+      <p:sp>
+        <p:nvSpPr>
+          <p:cNvPr id="9" name="矩形 8"/>
+          <p:cNvSpPr/>
+          <p:nvPr/>
+        </p:nvSpPr>
+        <p:spPr>
+          <a:xfrm>
+            <a:off x="7376634" y="4848631"/>
+            <a:ext cx="3225625" cy="1384995"/>
+          </a:xfrm>
+          <a:prstGeom prst="rect">
+            <a:avLst/>
+          </a:prstGeom>
+        </p:spPr>
+        <p:txBody>
+          <a:bodyPr wrap="square">
+            <a:spAutoFit/>
+          </a:bodyPr>
+          <a:lstStyle/>
+          <a:p>
+            <a:pPr indent="304800" algn="ctr">
+              <a:spcAft>
+                <a:spcPts val="0"/>
+              </a:spcAft>
+            </a:pPr>
+            <a:r>
+              <a:rPr lang="zh-CN" altLang="en-US" sz="1200" b="1" kern="100" dirty="0" smtClean="0">
+                <a:latin typeface="等线" panose="02010600030101010101" pitchFamily="2" charset="-122"/>
+                <a:ea typeface="等线" panose="02010600030101010101" pitchFamily="2" charset="-122"/>
+                <a:cs typeface="Times New Roman" panose="02020603050405020304" pitchFamily="18" charset="0"/>
+              </a:rPr>
+              <a:t>评价</a:t>
+            </a:r>
+            <a:endParaRPr lang="en-US" altLang="zh-CN" sz="1200" b="1" kern="100" dirty="0" smtClean="0">
+              <a:latin typeface="等线" panose="02010600030101010101" pitchFamily="2" charset="-122"/>
+              <a:ea typeface="等线" panose="02010600030101010101" pitchFamily="2" charset="-122"/>
+              <a:cs typeface="Times New Roman" panose="02020603050405020304" pitchFamily="18" charset="0"/>
+            </a:endParaRPr>
+          </a:p>
+          <a:p>
+            <a:pPr indent="304800" algn="just">
+              <a:spcAft>
+                <a:spcPts val="0"/>
+              </a:spcAft>
+            </a:pPr>
+            <a:r>
+              <a:rPr lang="zh-CN" altLang="zh-CN" sz="1200" kern="100" dirty="0" smtClean="0">
+                <a:latin typeface="等线" panose="02010600030101010101" pitchFamily="2" charset="-122"/>
+                <a:ea typeface="等线" panose="02010600030101010101" pitchFamily="2" charset="-122"/>
+                <a:cs typeface="Times New Roman" panose="02020603050405020304" pitchFamily="18" charset="0"/>
+              </a:rPr>
+              <a:t>混合</a:t>
+            </a:r>
+            <a:r>
+              <a:rPr lang="zh-CN" altLang="zh-CN" sz="1200" kern="100" dirty="0">
+                <a:latin typeface="等线" panose="02010600030101010101" pitchFamily="2" charset="-122"/>
+                <a:ea typeface="等线" panose="02010600030101010101" pitchFamily="2" charset="-122"/>
+                <a:cs typeface="Times New Roman" panose="02020603050405020304" pitchFamily="18" charset="0"/>
+              </a:rPr>
+              <a:t>嵌入方法</a:t>
+            </a:r>
+            <a:r>
+              <a:rPr lang="en-US" altLang="zh-CN" sz="1200" kern="100" dirty="0">
+                <a:latin typeface="等线" panose="02010600030101010101" pitchFamily="2" charset="-122"/>
+                <a:ea typeface="等线" panose="02010600030101010101" pitchFamily="2" charset="-122"/>
+                <a:cs typeface="Times New Roman" panose="02020603050405020304" pitchFamily="18" charset="0"/>
+              </a:rPr>
+              <a:t>SR-GNN</a:t>
+            </a:r>
+            <a:r>
+              <a:rPr lang="zh-CN" altLang="zh-CN" sz="1200" kern="100" dirty="0">
+                <a:latin typeface="等线" panose="02010600030101010101" pitchFamily="2" charset="-122"/>
+                <a:ea typeface="等线" panose="02010600030101010101" pitchFamily="2" charset="-122"/>
+                <a:cs typeface="Times New Roman" panose="02020603050405020304" pitchFamily="18" charset="0"/>
+              </a:rPr>
+              <a:t>取得了最好的效果，说明当前会话与长期偏好结合的重要性</a:t>
+            </a:r>
+            <a:r>
+              <a:rPr lang="zh-CN" altLang="zh-CN" sz="1200" kern="100" dirty="0" smtClean="0">
+                <a:latin typeface="等线" panose="02010600030101010101" pitchFamily="2" charset="-122"/>
+                <a:ea typeface="等线" panose="02010600030101010101" pitchFamily="2" charset="-122"/>
+                <a:cs typeface="Times New Roman" panose="02020603050405020304" pitchFamily="18" charset="0"/>
+              </a:rPr>
+              <a:t>。</a:t>
+            </a:r>
+            <a:endParaRPr lang="en-US" altLang="zh-CN" sz="1200" kern="100" dirty="0" smtClean="0">
+              <a:latin typeface="等线" panose="02010600030101010101" pitchFamily="2" charset="-122"/>
+              <a:ea typeface="等线" panose="02010600030101010101" pitchFamily="2" charset="-122"/>
+              <a:cs typeface="Times New Roman" panose="02020603050405020304" pitchFamily="18" charset="0"/>
+            </a:endParaRPr>
+          </a:p>
+          <a:p>
+            <a:pPr indent="304800" algn="just">
+              <a:spcAft>
+                <a:spcPts val="0"/>
+              </a:spcAft>
+            </a:pPr>
+            <a:r>
+              <a:rPr lang="en-US" altLang="zh-CN" sz="1200" kern="100" dirty="0" smtClean="0">
+                <a:latin typeface="等线" panose="02010600030101010101" pitchFamily="2" charset="-122"/>
+                <a:ea typeface="等线" panose="02010600030101010101" pitchFamily="2" charset="-122"/>
+                <a:cs typeface="Times New Roman" panose="02020603050405020304" pitchFamily="18" charset="0"/>
+              </a:rPr>
+              <a:t>SR-GNN-ATT</a:t>
+            </a:r>
+            <a:r>
+              <a:rPr lang="zh-CN" altLang="zh-CN" sz="1200" kern="100" dirty="0">
+                <a:latin typeface="等线" panose="02010600030101010101" pitchFamily="2" charset="-122"/>
+                <a:ea typeface="等线" panose="02010600030101010101" pitchFamily="2" charset="-122"/>
+                <a:cs typeface="Times New Roman" panose="02020603050405020304" pitchFamily="18" charset="0"/>
+              </a:rPr>
+              <a:t>表现的比</a:t>
+            </a:r>
+            <a:r>
+              <a:rPr lang="en-US" altLang="zh-CN" sz="1200" kern="100" dirty="0">
+                <a:latin typeface="等线" panose="02010600030101010101" pitchFamily="2" charset="-122"/>
+                <a:ea typeface="等线" panose="02010600030101010101" pitchFamily="2" charset="-122"/>
+                <a:cs typeface="Times New Roman" panose="02020603050405020304" pitchFamily="18" charset="0"/>
+              </a:rPr>
+              <a:t>SR-GNN-AVG</a:t>
+            </a:r>
+            <a:r>
+              <a:rPr lang="zh-CN" altLang="zh-CN" sz="1200" kern="100" dirty="0">
+                <a:latin typeface="等线" panose="02010600030101010101" pitchFamily="2" charset="-122"/>
+                <a:ea typeface="等线" panose="02010600030101010101" pitchFamily="2" charset="-122"/>
+                <a:cs typeface="Times New Roman" panose="02020603050405020304" pitchFamily="18" charset="0"/>
+              </a:rPr>
+              <a:t>好。说明会话中可能有一些噪音行为。注意力机制有助于从会话中提取重要行为构建长期偏好</a:t>
+            </a:r>
+            <a:r>
+              <a:rPr lang="zh-CN" altLang="zh-CN" sz="1200" kern="100" dirty="0" smtClean="0">
+                <a:latin typeface="等线" panose="02010600030101010101" pitchFamily="2" charset="-122"/>
+                <a:ea typeface="等线" panose="02010600030101010101" pitchFamily="2" charset="-122"/>
+                <a:cs typeface="Times New Roman" panose="02020603050405020304" pitchFamily="18" charset="0"/>
+              </a:rPr>
+              <a:t>。</a:t>
+            </a:r>
+            <a:endParaRPr lang="zh-CN" altLang="zh-CN" sz="1200" kern="100" dirty="0">
+              <a:effectLst/>
+              <a:latin typeface="等线" panose="02010600030101010101" pitchFamily="2" charset="-122"/>
+              <a:ea typeface="等线" panose="02010600030101010101" pitchFamily="2" charset="-122"/>
+              <a:cs typeface="Times New Roman" panose="02020603050405020304" pitchFamily="18" charset="0"/>
+            </a:endParaRPr>
+          </a:p>
+        </p:txBody>
+      </p:sp>
+      <p:pic>
+        <p:nvPicPr>
+          <p:cNvPr id="10" name="图片 9"/>
+          <p:cNvPicPr>
+            <a:picLocks noChangeAspect="1"/>
+          </p:cNvPicPr>
+          <p:nvPr/>
+        </p:nvPicPr>
+        <p:blipFill>
+          <a:blip r:embed="rId3"/>
+          <a:stretch>
+            <a:fillRect/>
+          </a:stretch>
+        </p:blipFill>
+        <p:spPr>
+          <a:xfrm>
+            <a:off x="1625339" y="3552211"/>
+            <a:ext cx="3781425" cy="1752600"/>
+          </a:xfrm>
+          <a:prstGeom prst="rect">
+            <a:avLst/>
+          </a:prstGeom>
+        </p:spPr>
+      </p:pic>
+      <p:sp>
+        <p:nvSpPr>
+          <p:cNvPr id="41" name="文本框 40">
+            <a:extLst>
+              <a:ext uri="{FF2B5EF4-FFF2-40B4-BE49-F238E27FC236}">
+                <a16:creationId xmlns:a16="http://schemas.microsoft.com/office/drawing/2014/main" id="{A43431CA-5248-4D20-A485-229391AE17C4}"/>
+              </a:ext>
+            </a:extLst>
+          </p:cNvPr>
+          <p:cNvSpPr txBox="1"/>
+          <p:nvPr/>
+        </p:nvSpPr>
+        <p:spPr>
+          <a:xfrm>
+            <a:off x="3160142" y="231238"/>
+            <a:ext cx="2452313" cy="400110"/>
+          </a:xfrm>
+          <a:prstGeom prst="rect">
+            <a:avLst/>
+          </a:prstGeom>
+          <a:noFill/>
+        </p:spPr>
+        <p:txBody>
+          <a:bodyPr wrap="square" rtlCol="0">
+            <a:spAutoFit/>
+          </a:bodyPr>
+          <a:lstStyle/>
+          <a:p>
+            <a:pPr algn="ctr"/>
+            <a:r>
+              <a:rPr lang="zh-CN" altLang="en-US" sz="2000" dirty="0" smtClean="0">
+                <a:solidFill>
+                  <a:schemeClr val="bg1"/>
+                </a:solidFill>
+              </a:rPr>
+              <a:t>步骤</a:t>
+            </a:r>
+            <a:endParaRPr lang="zh-CN" altLang="en-US" sz="2000" dirty="0">
+              <a:solidFill>
+                <a:schemeClr val="bg1"/>
+              </a:solidFill>
+            </a:endParaRPr>
+          </a:p>
+        </p:txBody>
+      </p:sp>
+      <p:sp>
+        <p:nvSpPr>
+          <p:cNvPr id="42" name="文本框 41">
+            <a:extLst>
+              <a:ext uri="{FF2B5EF4-FFF2-40B4-BE49-F238E27FC236}">
+                <a16:creationId xmlns:a16="http://schemas.microsoft.com/office/drawing/2014/main" id="{C716FB12-6821-428B-86D6-6A5B32328F83}"/>
+              </a:ext>
+            </a:extLst>
+          </p:cNvPr>
+          <p:cNvSpPr txBox="1"/>
+          <p:nvPr/>
+        </p:nvSpPr>
+        <p:spPr>
+          <a:xfrm>
+            <a:off x="5344342" y="250172"/>
+            <a:ext cx="2054623" cy="400110"/>
+          </a:xfrm>
+          <a:prstGeom prst="rect">
+            <a:avLst/>
+          </a:prstGeom>
+          <a:noFill/>
+        </p:spPr>
+        <p:txBody>
+          <a:bodyPr wrap="square" rtlCol="0">
+            <a:spAutoFit/>
+          </a:bodyPr>
+          <a:lstStyle/>
+          <a:p>
+            <a:pPr algn="ctr"/>
+            <a:r>
+              <a:rPr lang="zh-CN" altLang="en-US" sz="2000" dirty="0" smtClean="0">
+                <a:solidFill>
+                  <a:schemeClr val="bg1"/>
+                </a:solidFill>
+              </a:rPr>
+              <a:t>主要过程</a:t>
+            </a:r>
+            <a:endParaRPr lang="zh-CN" altLang="en-US" sz="2000" dirty="0">
+              <a:solidFill>
+                <a:schemeClr val="bg1"/>
+              </a:solidFill>
+            </a:endParaRPr>
+          </a:p>
+        </p:txBody>
+      </p:sp>
+      <p:sp>
+        <p:nvSpPr>
+          <p:cNvPr id="43" name="文本框 42">
+            <a:extLst>
+              <a:ext uri="{FF2B5EF4-FFF2-40B4-BE49-F238E27FC236}">
+                <a16:creationId xmlns:a16="http://schemas.microsoft.com/office/drawing/2014/main" id="{73C733DA-09D6-4D2B-8314-BD2CD943F81B}"/>
+              </a:ext>
+            </a:extLst>
+          </p:cNvPr>
+          <p:cNvSpPr txBox="1"/>
+          <p:nvPr/>
+        </p:nvSpPr>
+        <p:spPr>
+          <a:xfrm>
+            <a:off x="7912891" y="220578"/>
+            <a:ext cx="1720205" cy="400110"/>
+          </a:xfrm>
+          <a:prstGeom prst="rect">
+            <a:avLst/>
+          </a:prstGeom>
+          <a:noFill/>
+        </p:spPr>
+        <p:txBody>
+          <a:bodyPr wrap="square" rtlCol="0">
+            <a:spAutoFit/>
+          </a:bodyPr>
+          <a:lstStyle/>
+          <a:p>
+            <a:pPr algn="ctr"/>
+            <a:r>
+              <a:rPr lang="zh-CN" altLang="en-US" sz="2000" dirty="0" smtClean="0">
+                <a:solidFill>
+                  <a:schemeClr val="bg1"/>
+                </a:solidFill>
+              </a:rPr>
+              <a:t>实验和分析</a:t>
+            </a:r>
+            <a:endParaRPr lang="zh-CN" altLang="en-US" sz="2000" dirty="0">
+              <a:solidFill>
+                <a:schemeClr val="bg1"/>
+              </a:solidFill>
+            </a:endParaRPr>
+          </a:p>
+        </p:txBody>
+      </p:sp>
+      <p:sp>
+        <p:nvSpPr>
+          <p:cNvPr id="44" name="文本框 43">
+            <a:extLst>
+              <a:ext uri="{FF2B5EF4-FFF2-40B4-BE49-F238E27FC236}">
+                <a16:creationId xmlns:a16="http://schemas.microsoft.com/office/drawing/2014/main" id="{73C733DA-09D6-4D2B-8314-BD2CD943F81B}"/>
+              </a:ext>
+            </a:extLst>
+          </p:cNvPr>
+          <p:cNvSpPr txBox="1"/>
+          <p:nvPr/>
+        </p:nvSpPr>
+        <p:spPr>
+          <a:xfrm>
+            <a:off x="1546053" y="237628"/>
+            <a:ext cx="1720205" cy="400110"/>
+          </a:xfrm>
+          <a:prstGeom prst="rect">
+            <a:avLst/>
+          </a:prstGeom>
+          <a:noFill/>
+        </p:spPr>
+        <p:txBody>
+          <a:bodyPr wrap="square" rtlCol="0">
+            <a:spAutoFit/>
+          </a:bodyPr>
+          <a:lstStyle/>
+          <a:p>
+            <a:pPr algn="ctr"/>
+            <a:r>
+              <a:rPr lang="zh-CN" altLang="en-US" sz="2000" dirty="0" smtClean="0">
+                <a:solidFill>
+                  <a:schemeClr val="bg1"/>
+                </a:solidFill>
+              </a:rPr>
+              <a:t>相关介绍</a:t>
+            </a:r>
+            <a:endParaRPr lang="zh-CN" altLang="en-US" sz="2000" dirty="0">
+              <a:solidFill>
+                <a:schemeClr val="bg1"/>
+              </a:solidFill>
+            </a:endParaRPr>
+          </a:p>
+        </p:txBody>
+      </p:sp>
+      <p:sp>
+        <p:nvSpPr>
+          <p:cNvPr id="45" name="矩形: 圆角 13">
+            <a:extLst>
+              <a:ext uri="{FF2B5EF4-FFF2-40B4-BE49-F238E27FC236}">
+                <a16:creationId xmlns:a16="http://schemas.microsoft.com/office/drawing/2014/main" id="{71B07603-AC93-4337-A692-785A2CDEF06A}"/>
+              </a:ext>
+            </a:extLst>
+          </p:cNvPr>
+          <p:cNvSpPr/>
+          <p:nvPr/>
+        </p:nvSpPr>
+        <p:spPr>
+          <a:xfrm>
+            <a:off x="9988906" y="140892"/>
+            <a:ext cx="1720204" cy="580802"/>
+          </a:xfrm>
+          <a:prstGeom prst="roundRect">
+            <a:avLst/>
+          </a:prstGeom>
+          <a:solidFill>
+            <a:schemeClr val="bg1"/>
+          </a:solidFill>
+          <a:ln>
+            <a:noFill/>
+          </a:ln>
+        </p:spPr>
+        <p:style>
+          <a:lnRef idx="2">
+            <a:schemeClr val="accent1">
+              <a:shade val="50000"/>
+            </a:schemeClr>
+          </a:lnRef>
+          <a:fillRef idx="1">
+            <a:schemeClr val="accent1"/>
+          </a:fillRef>
+          <a:effectRef idx="0">
+            <a:schemeClr val="accent1"/>
+          </a:effectRef>
+          <a:fontRef idx="minor">
+            <a:schemeClr val="lt1"/>
+          </a:fontRef>
+        </p:style>
+        <p:txBody>
+          <a:bodyPr rtlCol="0" anchor="ctr"/>
+          <a:lstStyle/>
+          <a:p>
+            <a:pPr algn="ctr"/>
+            <a:endParaRPr lang="zh-CN" altLang="en-US"/>
+          </a:p>
+        </p:txBody>
+      </p:sp>
+      <p:sp>
+        <p:nvSpPr>
+          <p:cNvPr id="46" name="文本框 45">
+            <a:extLst>
+              <a:ext uri="{FF2B5EF4-FFF2-40B4-BE49-F238E27FC236}">
+                <a16:creationId xmlns:a16="http://schemas.microsoft.com/office/drawing/2014/main" id="{1982788C-596E-4795-ADC4-69F58147467B}"/>
+              </a:ext>
+            </a:extLst>
+          </p:cNvPr>
+          <p:cNvSpPr txBox="1"/>
+          <p:nvPr/>
+        </p:nvSpPr>
+        <p:spPr>
+          <a:xfrm>
+            <a:off x="10259088" y="234839"/>
+            <a:ext cx="1216171" cy="400110"/>
+          </a:xfrm>
+          <a:prstGeom prst="rect">
+            <a:avLst/>
+          </a:prstGeom>
+          <a:noFill/>
+        </p:spPr>
+        <p:txBody>
+          <a:bodyPr wrap="square" rtlCol="0">
+            <a:spAutoFit/>
+          </a:bodyPr>
+          <a:lstStyle/>
+          <a:p>
+            <a:pPr algn="ctr"/>
+            <a:r>
+              <a:rPr lang="zh-CN" altLang="en-US" sz="2000" b="1" dirty="0" smtClean="0">
+                <a:solidFill>
+                  <a:srgbClr val="9A0000"/>
+                </a:solidFill>
+              </a:rPr>
+              <a:t>结果</a:t>
+            </a:r>
+            <a:endParaRPr lang="zh-CN" altLang="en-US" sz="2000" b="1" dirty="0">
+              <a:solidFill>
+                <a:srgbClr val="9A0000"/>
+              </a:solidFill>
+            </a:endParaRPr>
+          </a:p>
+        </p:txBody>
+      </p:sp>
+    </p:spTree>
+    <p:extLst>
+      <p:ext uri="{BB962C8B-B14F-4D97-AF65-F5344CB8AC3E}">
+        <p14:creationId xmlns:p14="http://schemas.microsoft.com/office/powerpoint/2010/main" val="168837735"/>
+      </p:ext>
+    </p:extLst>
+  </p:cSld>
+  <p:clrMapOvr>
+    <a:masterClrMapping/>
+  </p:clrMapOvr>
+  <p:timing>
+    <p:tnLst>
+      <p:par>
+        <p:cTn id="1" dur="indefinite" restart="never" nodeType="tmRoot"/>
+      </p:par>
+    </p:tnLst>
+  </p:timing>
+</p:sld>
+</file>
+
+<file path=ppt/slides/slide12.xml><?xml version="1.0" encoding="utf-8"?>
+<p:sld xmlns:a="http://schemas.openxmlformats.org/drawingml/2006/main" xmlns:r="http://schemas.openxmlformats.org/officeDocument/2006/relationships" xmlns:p="http://schemas.openxmlformats.org/presentationml/2006/main">
+  <p:cSld>
+    <p:spTree>
+      <p:nvGrpSpPr>
+        <p:cNvPr id="1" name=""/>
+        <p:cNvGrpSpPr/>
+        <p:nvPr/>
+      </p:nvGrpSpPr>
+      <p:grpSpPr>
+        <a:xfrm>
+          <a:off x="0" y="0"/>
+          <a:ext cx="0" cy="0"/>
+          <a:chOff x="0" y="0"/>
+          <a:chExt cx="0" cy="0"/>
+        </a:xfrm>
+      </p:grpSpPr>
       <p:pic>
         <p:nvPicPr>
           <p:cNvPr id="15" name="图片 14"/>
@@ -5970,6 +7496,55 @@
       </p:sp>
       <p:sp>
         <p:nvSpPr>
+          <p:cNvPr id="12" name="文本框 11">
+            <a:extLst>
+              <a:ext uri="{FF2B5EF4-FFF2-40B4-BE49-F238E27FC236}">
+                <a16:creationId xmlns:a16="http://schemas.microsoft.com/office/drawing/2014/main" id="{64E3CCF3-6F90-4F12-BC66-5FE1C04DEE91}"/>
+              </a:ext>
+            </a:extLst>
+          </p:cNvPr>
+          <p:cNvSpPr txBox="1"/>
+          <p:nvPr/>
+        </p:nvSpPr>
+        <p:spPr>
+          <a:xfrm>
+            <a:off x="2927648" y="3541073"/>
+            <a:ext cx="6576291" cy="461665"/>
+          </a:xfrm>
+          <a:prstGeom prst="rect">
+            <a:avLst/>
+          </a:prstGeom>
+          <a:noFill/>
+        </p:spPr>
+        <p:txBody>
+          <a:bodyPr wrap="square" rtlCol="0">
+            <a:spAutoFit/>
+          </a:bodyPr>
+          <a:lstStyle/>
+          <a:p>
+            <a:pPr algn="ctr"/>
+            <a:r>
+              <a:rPr lang="zh-CN" altLang="en-US" sz="2400" dirty="0" smtClean="0">
+                <a:solidFill>
+                  <a:schemeClr val="bg1"/>
+                </a:solidFill>
+                <a:latin typeface="微软雅黑" panose="020B0503020204020204" pitchFamily="34" charset="-122"/>
+                <a:ea typeface="微软雅黑" panose="020B0503020204020204" pitchFamily="34" charset="-122"/>
+              </a:rPr>
+              <a:t>大数据与智能分析实验室</a:t>
+            </a:r>
+            <a:endParaRPr lang="zh-CN" altLang="en-US" sz="2400" dirty="0">
+              <a:solidFill>
+                <a:schemeClr val="bg1"/>
+              </a:solidFill>
+              <a:latin typeface="微软雅黑" panose="020B0503020204020204" pitchFamily="34" charset="-122"/>
+              <a:ea typeface="微软雅黑" panose="020B0503020204020204" pitchFamily="34" charset="-122"/>
+            </a:endParaRPr>
+          </a:p>
+        </p:txBody>
+      </p:sp>
+      <p:sp>
+        <p:nvSpPr>
           <p:cNvPr id="78" name="文本框 77">
             <a:extLst>
               <a:ext uri="{FF2B5EF4-FFF2-40B4-BE49-F238E27FC236}">
@@ -7280,7 +8855,15 @@
                 <a:ea typeface="宋体" panose="02010600030101010101" pitchFamily="2" charset="-122"/>
                 <a:cs typeface="Times New Roman" panose="02020603050405020304" pitchFamily="18" charset="0"/>
               </a:rPr>
-              <a:t>的内容，实现个性化推荐。</a:t>
+              <a:t>的</a:t>
+            </a:r>
+            <a:r>
+              <a:rPr lang="zh-CN" altLang="en-US" sz="2400" kern="100" smtClean="0">
+                <a:latin typeface="Calibri" panose="020F0502020204030204" pitchFamily="34" charset="0"/>
+                <a:ea typeface="宋体" panose="02010600030101010101" pitchFamily="2" charset="-122"/>
+                <a:cs typeface="Times New Roman" panose="02020603050405020304" pitchFamily="18" charset="0"/>
+              </a:rPr>
+              <a:t>内容，实现个性化推荐。</a:t>
             </a:r>
             <a:endParaRPr lang="en-US" altLang="zh-CN" sz="2400" kern="100" dirty="0">
               <a:effectLst/>
@@ -7299,8 +8882,8 @@
         </p:nvSpPr>
         <p:spPr>
           <a:xfrm>
-            <a:off x="1377026" y="4711300"/>
-            <a:ext cx="9579643" cy="1200329"/>
+            <a:off x="1763794" y="4711300"/>
+            <a:ext cx="9192875" cy="1200329"/>
           </a:xfrm>
           <a:prstGeom prst="rect">
             <a:avLst/>
@@ -7312,22 +8895,14 @@
           </a:bodyPr>
           <a:lstStyle/>
           <a:p>
-            <a:pPr marL="1270" algn="just"/>
+            <a:pPr marL="1270" indent="304800" algn="just"/>
             <a:r>
               <a:rPr lang="zh-CN" altLang="en-US" sz="2400" kern="100" dirty="0" smtClean="0">
                 <a:latin typeface="Calibri" panose="020F0502020204030204" pitchFamily="34" charset="0"/>
                 <a:ea typeface="宋体" panose="02010600030101010101" pitchFamily="2" charset="-122"/>
                 <a:cs typeface="Times New Roman" panose="02020603050405020304" pitchFamily="18" charset="0"/>
               </a:rPr>
-              <a:t>     基于</a:t>
-            </a:r>
-            <a:r>
-              <a:rPr lang="zh-CN" altLang="en-US" sz="2400" kern="100" dirty="0" smtClean="0">
-                <a:latin typeface="Calibri" panose="020F0502020204030204" pitchFamily="34" charset="0"/>
-                <a:ea typeface="宋体" panose="02010600030101010101" pitchFamily="2" charset="-122"/>
-                <a:cs typeface="Times New Roman" panose="02020603050405020304" pitchFamily="18" charset="0"/>
-              </a:rPr>
-              <a:t>会话的推荐系统旨在从匿名会话中预测用户行为。</a:t>
+              <a:t>基于会话的推荐系统旨在从匿名会话中预测用户行为。</a:t>
             </a:r>
             <a:endParaRPr lang="en-US" altLang="zh-CN" sz="2400" kern="100" dirty="0" smtClean="0">
               <a:latin typeface="Calibri" panose="020F0502020204030204" pitchFamily="34" charset="0"/>
@@ -7336,7 +8911,7 @@
             </a:endParaRPr>
           </a:p>
           <a:p>
-            <a:pPr marL="1270" algn="just"/>
+            <a:pPr marL="1270" indent="304800" algn="just"/>
             <a:r>
               <a:rPr lang="zh-CN" altLang="en-US" sz="2400" kern="100" dirty="0" smtClean="0">
                 <a:effectLst/>
@@ -7344,34 +8919,7 @@
                 <a:ea typeface="宋体" panose="02010600030101010101" pitchFamily="2" charset="-122"/>
                 <a:cs typeface="Times New Roman" panose="02020603050405020304" pitchFamily="18" charset="0"/>
               </a:rPr>
-              <a:t>     以前</a:t>
-            </a:r>
-            <a:r>
-              <a:rPr lang="zh-CN" altLang="en-US" sz="2400" kern="100" dirty="0" smtClean="0">
-                <a:effectLst/>
-                <a:latin typeface="Calibri" panose="020F0502020204030204" pitchFamily="34" charset="0"/>
-                <a:ea typeface="宋体" panose="02010600030101010101" pitchFamily="2" charset="-122"/>
-                <a:cs typeface="Times New Roman" panose="02020603050405020304" pitchFamily="18" charset="0"/>
-              </a:rPr>
-              <a:t>的方法将会话建模为一个序列，难以获得准确的用户向量</a:t>
-            </a:r>
-            <a:r>
-              <a:rPr lang="zh-CN" altLang="en-US" sz="2400" kern="100" dirty="0" smtClean="0">
-                <a:effectLst/>
-                <a:latin typeface="Calibri" panose="020F0502020204030204" pitchFamily="34" charset="0"/>
-                <a:ea typeface="宋体" panose="02010600030101010101" pitchFamily="2" charset="-122"/>
-                <a:cs typeface="Times New Roman" panose="02020603050405020304" pitchFamily="18" charset="0"/>
-              </a:rPr>
-              <a:t>，         忽略</a:t>
-            </a:r>
-            <a:r>
-              <a:rPr lang="zh-CN" altLang="en-US" sz="2400" kern="100" dirty="0" smtClean="0">
-                <a:effectLst/>
-                <a:latin typeface="Calibri" panose="020F0502020204030204" pitchFamily="34" charset="0"/>
-                <a:ea typeface="宋体" panose="02010600030101010101" pitchFamily="2" charset="-122"/>
-                <a:cs typeface="Times New Roman" panose="02020603050405020304" pitchFamily="18" charset="0"/>
-              </a:rPr>
-              <a:t>了项目的复杂转换。</a:t>
+              <a:t>以前的方法将会话建模为一个序列，难以获得准确的用户向量，忽略了项目的复杂转换。</a:t>
             </a:r>
             <a:endParaRPr lang="en-US" altLang="zh-CN" sz="2400" kern="100" dirty="0">
               <a:effectLst/>
